--- a/Financial Modeling Using Quantum Computing.pptx
+++ b/Financial Modeling Using Quantum Computing.pptx
@@ -5,7 +5,7 @@
     <p:sldMasterId id="2147483648" r:id="rId1"/>
   </p:sldMasterIdLst>
   <p:notesMasterIdLst>
-    <p:notesMasterId r:id="rId9"/>
+    <p:notesMasterId r:id="rId12"/>
   </p:notesMasterIdLst>
   <p:sldIdLst>
     <p:sldId id="257" r:id="rId2"/>
@@ -15,6 +15,9 @@
     <p:sldId id="261" r:id="rId6"/>
     <p:sldId id="262" r:id="rId7"/>
     <p:sldId id="263" r:id="rId8"/>
+    <p:sldId id="264" r:id="rId9"/>
+    <p:sldId id="265" r:id="rId10"/>
+    <p:sldId id="266" r:id="rId11"/>
   </p:sldIdLst>
   <p:sldSz cx="12192000" cy="6858000"/>
   <p:notesSz cx="6858000" cy="9144000"/>
@@ -203,7 +206,7 @@
           <a:p>
             <a:fld id="{F8B232A4-3D94-9C47-902D-95749859CC7F}" type="datetimeFigureOut">
               <a:rPr lang="en-VN" smtClean="0"/>
-              <a:t>07/10/2023</a:t>
+              <a:t>08/10/2023</a:t>
             </a:fld>
             <a:endParaRPr lang="en-VN"/>
           </a:p>
@@ -798,7 +801,7 @@
           <a:p>
             <a:fld id="{4F047A9D-3AA5-AC4E-8ACF-CFCDDED9A853}" type="datetimeFigureOut">
               <a:rPr lang="en-VN" smtClean="0"/>
-              <a:t>07/10/2023</a:t>
+              <a:t>08/10/2023</a:t>
             </a:fld>
             <a:endParaRPr lang="en-VN"/>
           </a:p>
@@ -998,7 +1001,7 @@
           <a:p>
             <a:fld id="{4F047A9D-3AA5-AC4E-8ACF-CFCDDED9A853}" type="datetimeFigureOut">
               <a:rPr lang="en-VN" smtClean="0"/>
-              <a:t>07/10/2023</a:t>
+              <a:t>08/10/2023</a:t>
             </a:fld>
             <a:endParaRPr lang="en-VN"/>
           </a:p>
@@ -1208,7 +1211,7 @@
           <a:p>
             <a:fld id="{4F047A9D-3AA5-AC4E-8ACF-CFCDDED9A853}" type="datetimeFigureOut">
               <a:rPr lang="en-VN" smtClean="0"/>
-              <a:t>07/10/2023</a:t>
+              <a:t>08/10/2023</a:t>
             </a:fld>
             <a:endParaRPr lang="en-VN"/>
           </a:p>
@@ -1408,7 +1411,7 @@
           <a:p>
             <a:fld id="{4F047A9D-3AA5-AC4E-8ACF-CFCDDED9A853}" type="datetimeFigureOut">
               <a:rPr lang="en-VN" smtClean="0"/>
-              <a:t>07/10/2023</a:t>
+              <a:t>08/10/2023</a:t>
             </a:fld>
             <a:endParaRPr lang="en-VN"/>
           </a:p>
@@ -1684,7 +1687,7 @@
           <a:p>
             <a:fld id="{4F047A9D-3AA5-AC4E-8ACF-CFCDDED9A853}" type="datetimeFigureOut">
               <a:rPr lang="en-VN" smtClean="0"/>
-              <a:t>07/10/2023</a:t>
+              <a:t>08/10/2023</a:t>
             </a:fld>
             <a:endParaRPr lang="en-VN"/>
           </a:p>
@@ -1952,7 +1955,7 @@
           <a:p>
             <a:fld id="{4F047A9D-3AA5-AC4E-8ACF-CFCDDED9A853}" type="datetimeFigureOut">
               <a:rPr lang="en-VN" smtClean="0"/>
-              <a:t>07/10/2023</a:t>
+              <a:t>08/10/2023</a:t>
             </a:fld>
             <a:endParaRPr lang="en-VN"/>
           </a:p>
@@ -2367,7 +2370,7 @@
           <a:p>
             <a:fld id="{4F047A9D-3AA5-AC4E-8ACF-CFCDDED9A853}" type="datetimeFigureOut">
               <a:rPr lang="en-VN" smtClean="0"/>
-              <a:t>07/10/2023</a:t>
+              <a:t>08/10/2023</a:t>
             </a:fld>
             <a:endParaRPr lang="en-VN"/>
           </a:p>
@@ -2509,7 +2512,7 @@
           <a:p>
             <a:fld id="{4F047A9D-3AA5-AC4E-8ACF-CFCDDED9A853}" type="datetimeFigureOut">
               <a:rPr lang="en-VN" smtClean="0"/>
-              <a:t>07/10/2023</a:t>
+              <a:t>08/10/2023</a:t>
             </a:fld>
             <a:endParaRPr lang="en-VN"/>
           </a:p>
@@ -2622,7 +2625,7 @@
           <a:p>
             <a:fld id="{4F047A9D-3AA5-AC4E-8ACF-CFCDDED9A853}" type="datetimeFigureOut">
               <a:rPr lang="en-VN" smtClean="0"/>
-              <a:t>07/10/2023</a:t>
+              <a:t>08/10/2023</a:t>
             </a:fld>
             <a:endParaRPr lang="en-VN"/>
           </a:p>
@@ -2935,7 +2938,7 @@
           <a:p>
             <a:fld id="{4F047A9D-3AA5-AC4E-8ACF-CFCDDED9A853}" type="datetimeFigureOut">
               <a:rPr lang="en-VN" smtClean="0"/>
-              <a:t>07/10/2023</a:t>
+              <a:t>08/10/2023</a:t>
             </a:fld>
             <a:endParaRPr lang="en-VN"/>
           </a:p>
@@ -3224,7 +3227,7 @@
           <a:p>
             <a:fld id="{4F047A9D-3AA5-AC4E-8ACF-CFCDDED9A853}" type="datetimeFigureOut">
               <a:rPr lang="en-VN" smtClean="0"/>
-              <a:t>07/10/2023</a:t>
+              <a:t>08/10/2023</a:t>
             </a:fld>
             <a:endParaRPr lang="en-VN"/>
           </a:p>
@@ -3467,7 +3470,7 @@
           <a:p>
             <a:fld id="{4F047A9D-3AA5-AC4E-8ACF-CFCDDED9A853}" type="datetimeFigureOut">
               <a:rPr lang="en-VN" smtClean="0"/>
-              <a:t>07/10/2023</a:t>
+              <a:t>08/10/2023</a:t>
             </a:fld>
             <a:endParaRPr lang="en-VN"/>
           </a:p>
@@ -3995,6 +3998,146 @@
     <p:extLst>
       <p:ext uri="{BB962C8B-B14F-4D97-AF65-F5344CB8AC3E}">
         <p14:creationId xmlns:p14="http://schemas.microsoft.com/office/powerpoint/2010/main" val="3152415193"/>
+      </p:ext>
+    </p:extLst>
+  </p:cSld>
+  <p:clrMapOvr>
+    <a:masterClrMapping/>
+  </p:clrMapOvr>
+</p:sld>
+</file>
+
+<file path=ppt/slides/slide10.xml><?xml version="1.0" encoding="utf-8"?>
+<p:sld xmlns:a="http://schemas.openxmlformats.org/drawingml/2006/main" xmlns:r="http://schemas.openxmlformats.org/officeDocument/2006/relationships" xmlns:p="http://schemas.openxmlformats.org/presentationml/2006/main">
+  <p:cSld>
+    <p:spTree>
+      <p:nvGrpSpPr>
+        <p:cNvPr id="1" name=""/>
+        <p:cNvGrpSpPr/>
+        <p:nvPr/>
+      </p:nvGrpSpPr>
+      <p:grpSpPr>
+        <a:xfrm>
+          <a:off x="0" y="0"/>
+          <a:ext cx="0" cy="0"/>
+          <a:chOff x="0" y="0"/>
+          <a:chExt cx="0" cy="0"/>
+        </a:xfrm>
+      </p:grpSpPr>
+      <p:sp>
+        <p:nvSpPr>
+          <p:cNvPr id="6" name="Rectangle 5">
+            <a:extLst>
+              <a:ext uri="{FF2B5EF4-FFF2-40B4-BE49-F238E27FC236}">
+                <a16:creationId xmlns:a16="http://schemas.microsoft.com/office/drawing/2014/main" id="{E61C1DEC-D7BA-15B2-57B1-44F51E76692E}"/>
+              </a:ext>
+            </a:extLst>
+          </p:cNvPr>
+          <p:cNvSpPr/>
+          <p:nvPr/>
+        </p:nvSpPr>
+        <p:spPr>
+          <a:xfrm>
+            <a:off x="360217" y="696272"/>
+            <a:ext cx="10293605" cy="811894"/>
+          </a:xfrm>
+          <a:prstGeom prst="rect">
+            <a:avLst/>
+          </a:prstGeom>
+          <a:noFill/>
+          <a:ln>
+            <a:noFill/>
+          </a:ln>
+        </p:spPr>
+        <p:style>
+          <a:lnRef idx="2">
+            <a:schemeClr val="accent1">
+              <a:shade val="15000"/>
+            </a:schemeClr>
+          </a:lnRef>
+          <a:fillRef idx="1">
+            <a:schemeClr val="accent1"/>
+          </a:fillRef>
+          <a:effectRef idx="0">
+            <a:schemeClr val="accent1"/>
+          </a:effectRef>
+          <a:fontRef idx="minor">
+            <a:schemeClr val="lt1"/>
+          </a:fontRef>
+        </p:style>
+        <p:txBody>
+          <a:bodyPr rtlCol="0" anchor="ctr"/>
+          <a:lstStyle/>
+          <a:p>
+            <a:r>
+              <a:rPr lang="en-US" sz="3200" b="1" dirty="0">
+                <a:solidFill>
+                  <a:schemeClr val="tx1"/>
+                </a:solidFill>
+                <a:effectLst/>
+                <a:latin typeface="Microsoft New Tai Lue" panose="020B0502040204020203" pitchFamily="34" charset="0"/>
+                <a:cs typeface="Microsoft New Tai Lue" panose="020B0502040204020203" pitchFamily="34" charset="0"/>
+              </a:rPr>
+              <a:t>Variational Quantum </a:t>
+            </a:r>
+            <a:r>
+              <a:rPr lang="en-US" sz="3200" b="1" dirty="0" err="1">
+                <a:solidFill>
+                  <a:schemeClr val="tx1"/>
+                </a:solidFill>
+                <a:effectLst/>
+                <a:latin typeface="Microsoft New Tai Lue" panose="020B0502040204020203" pitchFamily="34" charset="0"/>
+                <a:cs typeface="Microsoft New Tai Lue" panose="020B0502040204020203" pitchFamily="34" charset="0"/>
+              </a:rPr>
+              <a:t>Eignesolver</a:t>
+            </a:r>
+            <a:r>
+              <a:rPr lang="en-US" sz="3200" b="1" dirty="0">
+                <a:solidFill>
+                  <a:schemeClr val="tx1"/>
+                </a:solidFill>
+                <a:effectLst/>
+                <a:latin typeface="Microsoft New Tai Lue" panose="020B0502040204020203" pitchFamily="34" charset="0"/>
+                <a:cs typeface="Microsoft New Tai Lue" panose="020B0502040204020203" pitchFamily="34" charset="0"/>
+              </a:rPr>
+              <a:t> (VQE) </a:t>
+            </a:r>
+          </a:p>
+        </p:txBody>
+      </p:sp>
+      <p:pic>
+        <p:nvPicPr>
+          <p:cNvPr id="3" name="Picture 2" descr="A diagram of a function&#10;&#10;Description automatically generated">
+            <a:extLst>
+              <a:ext uri="{FF2B5EF4-FFF2-40B4-BE49-F238E27FC236}">
+                <a16:creationId xmlns:a16="http://schemas.microsoft.com/office/drawing/2014/main" id="{9069B21A-EB30-2636-19F1-8F0A07688D88}"/>
+              </a:ext>
+            </a:extLst>
+          </p:cNvPr>
+          <p:cNvPicPr>
+            <a:picLocks noChangeAspect="1"/>
+          </p:cNvPicPr>
+          <p:nvPr/>
+        </p:nvPicPr>
+        <p:blipFill rotWithShape="1">
+          <a:blip r:embed="rId2"/>
+          <a:srcRect l="1283" t="1984" r="1138"/>
+          <a:stretch/>
+        </p:blipFill>
+        <p:spPr>
+          <a:xfrm>
+            <a:off x="2458191" y="2113808"/>
+            <a:ext cx="7584167" cy="3373370"/>
+          </a:xfrm>
+          <a:prstGeom prst="rect">
+            <a:avLst/>
+          </a:prstGeom>
+        </p:spPr>
+      </p:pic>
+    </p:spTree>
+    <p:extLst>
+      <p:ext uri="{BB962C8B-B14F-4D97-AF65-F5344CB8AC3E}">
+        <p14:creationId xmlns:p14="http://schemas.microsoft.com/office/powerpoint/2010/main" val="4215889930"/>
       </p:ext>
     </p:extLst>
   </p:cSld>
@@ -5268,8 +5411,8 @@
           </p:sp>
         </mc:Fallback>
       </mc:AlternateContent>
-      <mc:AlternateContent xmlns:mc="http://schemas.openxmlformats.org/markup-compatibility/2006">
-        <mc:Choice xmlns:a14="http://schemas.microsoft.com/office/drawing/2010/main" Requires="a14">
+      <mc:AlternateContent xmlns:mc="http://schemas.openxmlformats.org/markup-compatibility/2006" xmlns:a14="http://schemas.microsoft.com/office/drawing/2010/main">
+        <mc:Choice Requires="a14">
           <p:sp>
             <p:nvSpPr>
               <p:cNvPr id="6" name="Rectangle 5">
@@ -5856,11 +5999,11 @@
             </p:txBody>
           </p:sp>
         </mc:Choice>
-        <mc:Fallback>
+        <mc:Fallback xmlns="">
           <p:sp>
             <p:nvSpPr>
               <p:cNvPr id="6" name="Rectangle 5">
-                <a:hlinkClick r:id="rId6"/>
+                <a:hlinkClick r:id="rId7"/>
                 <a:extLst>
                   <a:ext uri="{FF2B5EF4-FFF2-40B4-BE49-F238E27FC236}">
                     <a16:creationId xmlns:a16="http://schemas.microsoft.com/office/drawing/2014/main" id="{8908B511-F369-EFCC-CE25-187E42C33BEE}"/>
@@ -5881,7 +6024,7 @@
                 <a:avLst/>
               </a:prstGeom>
               <a:blipFill>
-                <a:blip r:embed="rId7"/>
+                <a:blip r:embed="rId8"/>
                 <a:stretch>
                   <a:fillRect t="-84286" b="-107143"/>
                 </a:stretch>
@@ -6718,8 +6861,8 @@
           </a:prstGeom>
         </p:spPr>
       </p:pic>
-      <mc:AlternateContent xmlns:mc="http://schemas.openxmlformats.org/markup-compatibility/2006">
-        <mc:Choice xmlns:a14="http://schemas.microsoft.com/office/drawing/2010/main" Requires="a14">
+      <mc:AlternateContent xmlns:mc="http://schemas.openxmlformats.org/markup-compatibility/2006" xmlns:a14="http://schemas.microsoft.com/office/drawing/2010/main">
+        <mc:Choice Requires="a14">
           <p:sp>
             <p:nvSpPr>
               <p:cNvPr id="9" name="TextBox 8">
@@ -6753,6 +6896,7 @@
               </a:bodyPr>
               <a:lstStyle/>
               <a:p>
+                <a:pPr/>
                 <a14:m>
                   <m:oMathPara xmlns:m="http://schemas.openxmlformats.org/officeDocument/2006/math">
                     <m:oMathParaPr>
@@ -6812,7 +6956,7 @@
             </p:txBody>
           </p:sp>
         </mc:Choice>
-        <mc:Fallback>
+        <mc:Fallback xmlns="">
           <p:sp>
             <p:nvSpPr>
               <p:cNvPr id="9" name="TextBox 8">
@@ -6862,8 +7006,8 @@
           </p:sp>
         </mc:Fallback>
       </mc:AlternateContent>
-      <mc:AlternateContent xmlns:mc="http://schemas.openxmlformats.org/markup-compatibility/2006">
-        <mc:Choice xmlns:a14="http://schemas.microsoft.com/office/drawing/2010/main" Requires="a14">
+      <mc:AlternateContent xmlns:mc="http://schemas.openxmlformats.org/markup-compatibility/2006" xmlns:a14="http://schemas.microsoft.com/office/drawing/2010/main">
+        <mc:Choice Requires="a14">
           <p:sp>
             <p:nvSpPr>
               <p:cNvPr id="10" name="TextBox 9">
@@ -6946,7 +7090,7 @@
             </p:txBody>
           </p:sp>
         </mc:Choice>
-        <mc:Fallback>
+        <mc:Fallback xmlns="">
           <p:sp>
             <p:nvSpPr>
               <p:cNvPr id="10" name="TextBox 9">
@@ -7209,8 +7353,8 @@
           </a:prstGeom>
         </p:spPr>
       </p:pic>
-      <mc:AlternateContent xmlns:mc="http://schemas.openxmlformats.org/markup-compatibility/2006">
-        <mc:Choice xmlns:a14="http://schemas.microsoft.com/office/drawing/2010/main" Requires="a14">
+      <mc:AlternateContent xmlns:mc="http://schemas.openxmlformats.org/markup-compatibility/2006" xmlns:a14="http://schemas.microsoft.com/office/drawing/2010/main">
+        <mc:Choice Requires="a14">
           <p:sp>
             <p:nvSpPr>
               <p:cNvPr id="10" name="TextBox 9">
@@ -7307,7 +7451,7 @@
             </p:txBody>
           </p:sp>
         </mc:Choice>
-        <mc:Fallback>
+        <mc:Fallback xmlns="">
           <p:sp>
             <p:nvSpPr>
               <p:cNvPr id="10" name="TextBox 9">
@@ -7436,13 +7580,13 @@
                 <a:latin typeface="Microsoft New Tai Lue" panose="020B0502040204020203" pitchFamily="34" charset="0"/>
                 <a:cs typeface="Microsoft New Tai Lue" panose="020B0502040204020203" pitchFamily="34" charset="0"/>
               </a:rPr>
-              <a:t>CVXPY</a:t>
+              <a:t>CLASSICAL: CVXPY</a:t>
             </a:r>
           </a:p>
         </p:txBody>
       </p:sp>
-      <mc:AlternateContent xmlns:mc="http://schemas.openxmlformats.org/markup-compatibility/2006">
-        <mc:Choice xmlns:a14="http://schemas.microsoft.com/office/drawing/2010/main" Requires="a14">
+      <mc:AlternateContent xmlns:mc="http://schemas.openxmlformats.org/markup-compatibility/2006" xmlns:a14="http://schemas.microsoft.com/office/drawing/2010/main">
+        <mc:Choice Requires="a14">
           <p:sp>
             <p:nvSpPr>
               <p:cNvPr id="7" name="TextBox 6">
@@ -7599,7 +7743,7 @@
             </p:txBody>
           </p:sp>
         </mc:Choice>
-        <mc:Fallback>
+        <mc:Fallback xmlns="">
           <p:sp>
             <p:nvSpPr>
               <p:cNvPr id="7" name="TextBox 6">
@@ -7740,8 +7884,8 @@
           </a:p>
         </p:txBody>
       </p:sp>
-      <mc:AlternateContent xmlns:mc="http://schemas.openxmlformats.org/markup-compatibility/2006">
-        <mc:Choice xmlns:a14="http://schemas.microsoft.com/office/drawing/2010/main" Requires="a14">
+      <mc:AlternateContent xmlns:mc="http://schemas.openxmlformats.org/markup-compatibility/2006" xmlns:a14="http://schemas.microsoft.com/office/drawing/2010/main">
+        <mc:Choice Requires="a14">
           <p:sp>
             <p:nvSpPr>
               <p:cNvPr id="11" name="TextBox 10">
@@ -7815,7 +7959,7 @@
             </p:txBody>
           </p:sp>
         </mc:Choice>
-        <mc:Fallback>
+        <mc:Fallback xmlns="">
           <p:sp>
             <p:nvSpPr>
               <p:cNvPr id="11" name="TextBox 10">
@@ -8129,6 +8273,45 @@
           </a:prstGeom>
         </p:spPr>
       </p:pic>
+      <p:sp>
+        <p:nvSpPr>
+          <p:cNvPr id="2" name="TextBox 1">
+            <a:extLst>
+              <a:ext uri="{FF2B5EF4-FFF2-40B4-BE49-F238E27FC236}">
+                <a16:creationId xmlns:a16="http://schemas.microsoft.com/office/drawing/2014/main" id="{13F3AD23-EACD-BBD5-E170-47F9B20E9BA8}"/>
+              </a:ext>
+            </a:extLst>
+          </p:cNvPr>
+          <p:cNvSpPr txBox="1"/>
+          <p:nvPr/>
+        </p:nvSpPr>
+        <p:spPr>
+          <a:xfrm>
+            <a:off x="5507019" y="732909"/>
+            <a:ext cx="1670073" cy="369332"/>
+          </a:xfrm>
+          <a:prstGeom prst="rect">
+            <a:avLst/>
+          </a:prstGeom>
+          <a:noFill/>
+        </p:spPr>
+        <p:txBody>
+          <a:bodyPr wrap="none" rtlCol="0">
+            <a:spAutoFit/>
+          </a:bodyPr>
+          <a:lstStyle/>
+          <a:p>
+            <a:r>
+              <a:rPr lang="en-US" dirty="0"/>
+              <a:t>S</a:t>
+            </a:r>
+            <a:r>
+              <a:rPr lang="en-VN" dirty="0"/>
+              <a:t>olver ECOS_BB</a:t>
+            </a:r>
+          </a:p>
+        </p:txBody>
+      </p:sp>
     </p:spTree>
     <p:extLst>
       <p:ext uri="{BB962C8B-B14F-4D97-AF65-F5344CB8AC3E}">
@@ -8213,13 +8396,13 @@
                 <a:latin typeface="Microsoft New Tai Lue" panose="020B0502040204020203" pitchFamily="34" charset="0"/>
                 <a:cs typeface="Microsoft New Tai Lue" panose="020B0502040204020203" pitchFamily="34" charset="0"/>
               </a:rPr>
-              <a:t>QUBO</a:t>
+              <a:t>ANNEALER: QUBO</a:t>
             </a:r>
           </a:p>
         </p:txBody>
       </p:sp>
-      <mc:AlternateContent xmlns:mc="http://schemas.openxmlformats.org/markup-compatibility/2006">
-        <mc:Choice xmlns:a14="http://schemas.microsoft.com/office/drawing/2010/main" Requires="a14">
+      <mc:AlternateContent xmlns:mc="http://schemas.openxmlformats.org/markup-compatibility/2006" xmlns:a14="http://schemas.microsoft.com/office/drawing/2010/main">
+        <mc:Choice Requires="a14">
           <p:sp>
             <p:nvSpPr>
               <p:cNvPr id="2" name="TextBox 1">
@@ -8366,7 +8549,14 @@
                             <a:latin typeface="Cambria Math" panose="02040503050406030204" pitchFamily="18" charset="0"/>
                             <a:ea typeface="Cambria Math" panose="02040503050406030204" pitchFamily="18" charset="0"/>
                           </a:rPr>
-                          <m:t>=1</m:t>
+                          <m:t>=</m:t>
+                        </m:r>
+                        <m:r>
+                          <a:rPr lang="vi-VN" sz="2800" b="0" i="1" smtClean="0">
+                            <a:latin typeface="Cambria Math" panose="02040503050406030204" pitchFamily="18" charset="0"/>
+                            <a:ea typeface="Cambria Math" panose="02040503050406030204" pitchFamily="18" charset="0"/>
+                          </a:rPr>
+                          <m:t>1</m:t>
                         </m:r>
                       </m:sub>
                       <m:sup>
@@ -8548,14 +8738,7 @@
                             <a:latin typeface="Cambria Math" panose="02040503050406030204" pitchFamily="18" charset="0"/>
                             <a:ea typeface="Cambria Math" panose="02040503050406030204" pitchFamily="18" charset="0"/>
                           </a:rPr>
-                          <m:t>=</m:t>
-                        </m:r>
-                        <m:r>
-                          <a:rPr lang="vi-VN" sz="2800" i="1">
-                            <a:latin typeface="Cambria Math" panose="02040503050406030204" pitchFamily="18" charset="0"/>
-                            <a:ea typeface="Cambria Math" panose="02040503050406030204" pitchFamily="18" charset="0"/>
-                          </a:rPr>
-                          <m:t>1</m:t>
+                          <m:t>=1</m:t>
                         </m:r>
                       </m:sub>
                       <m:sup>
@@ -8885,14 +9068,7 @@
                                 <a:latin typeface="Cambria Math" panose="02040503050406030204" pitchFamily="18" charset="0"/>
                                 <a:cs typeface="Microsoft New Tai Lue" panose="020B0502040204020203" pitchFamily="34" charset="0"/>
                               </a:rPr>
-                              <m:t>)</m:t>
-                            </m:r>
-                            <m:r>
-                              <a:rPr lang="vi-VN" sz="2800" i="1">
-                                <a:latin typeface="Cambria Math" panose="02040503050406030204" pitchFamily="18" charset="0"/>
-                                <a:cs typeface="Microsoft New Tai Lue" panose="020B0502040204020203" pitchFamily="34" charset="0"/>
-                              </a:rPr>
-                              <m:t> </m:t>
+                              <m:t>) </m:t>
                             </m:r>
                           </m:e>
                         </m:nary>
@@ -8916,7 +9092,7 @@
             </p:txBody>
           </p:sp>
         </mc:Choice>
-        <mc:Fallback>
+        <mc:Fallback xmlns="">
           <p:sp>
             <p:nvSpPr>
               <p:cNvPr id="2" name="TextBox 1">
@@ -8967,8 +9143,8 @@
           </p:sp>
         </mc:Fallback>
       </mc:AlternateContent>
-      <mc:AlternateContent xmlns:mc="http://schemas.openxmlformats.org/markup-compatibility/2006">
-        <mc:Choice xmlns:a14="http://schemas.microsoft.com/office/drawing/2010/main" Requires="a14">
+      <mc:AlternateContent xmlns:mc="http://schemas.openxmlformats.org/markup-compatibility/2006" xmlns:a14="http://schemas.microsoft.com/office/drawing/2010/main">
+        <mc:Choice Requires="a14">
           <p:sp>
             <p:nvSpPr>
               <p:cNvPr id="3" name="TextBox 2">
@@ -9146,7 +9322,7 @@
             </p:txBody>
           </p:sp>
         </mc:Choice>
-        <mc:Fallback>
+        <mc:Fallback xmlns="">
           <p:sp>
             <p:nvSpPr>
               <p:cNvPr id="3" name="TextBox 2">
@@ -9813,7 +9989,7 @@
         </p:nvSpPr>
         <p:spPr>
           <a:xfrm>
-            <a:off x="2743793" y="191595"/>
+            <a:off x="6942378" y="1030572"/>
             <a:ext cx="4198585" cy="646331"/>
           </a:xfrm>
           <a:prstGeom prst="rect">
@@ -9880,10 +10056,870 @@
           </a:prstGeom>
         </p:spPr>
       </p:pic>
+      <p:sp>
+        <p:nvSpPr>
+          <p:cNvPr id="4" name="TextBox 3">
+            <a:extLst>
+              <a:ext uri="{FF2B5EF4-FFF2-40B4-BE49-F238E27FC236}">
+                <a16:creationId xmlns:a16="http://schemas.microsoft.com/office/drawing/2014/main" id="{6B69FF0C-D01B-D217-FC78-0C3D06EC3C5D}"/>
+              </a:ext>
+            </a:extLst>
+          </p:cNvPr>
+          <p:cNvSpPr txBox="1"/>
+          <p:nvPr/>
+        </p:nvSpPr>
+        <p:spPr>
+          <a:xfrm>
+            <a:off x="2309221" y="2169491"/>
+            <a:ext cx="1493037" cy="369332"/>
+          </a:xfrm>
+          <a:prstGeom prst="rect">
+            <a:avLst/>
+          </a:prstGeom>
+          <a:noFill/>
+        </p:spPr>
+        <p:txBody>
+          <a:bodyPr wrap="none" rtlCol="0">
+            <a:spAutoFit/>
+          </a:bodyPr>
+          <a:lstStyle/>
+          <a:p>
+            <a:r>
+              <a:rPr lang="en-US" dirty="0"/>
+              <a:t>U</a:t>
+            </a:r>
+            <a:r>
+              <a:rPr lang="en-VN" dirty="0"/>
+              <a:t>sing D-Wave</a:t>
+            </a:r>
+          </a:p>
+        </p:txBody>
+      </p:sp>
     </p:spTree>
     <p:extLst>
       <p:ext uri="{BB962C8B-B14F-4D97-AF65-F5344CB8AC3E}">
         <p14:creationId xmlns:p14="http://schemas.microsoft.com/office/powerpoint/2010/main" val="889621251"/>
+      </p:ext>
+    </p:extLst>
+  </p:cSld>
+  <p:clrMapOvr>
+    <a:masterClrMapping/>
+  </p:clrMapOvr>
+</p:sld>
+</file>
+
+<file path=ppt/slides/slide8.xml><?xml version="1.0" encoding="utf-8"?>
+<p:sld xmlns:a="http://schemas.openxmlformats.org/drawingml/2006/main" xmlns:r="http://schemas.openxmlformats.org/officeDocument/2006/relationships" xmlns:p="http://schemas.openxmlformats.org/presentationml/2006/main">
+  <p:cSld>
+    <p:spTree>
+      <p:nvGrpSpPr>
+        <p:cNvPr id="1" name=""/>
+        <p:cNvGrpSpPr/>
+        <p:nvPr/>
+      </p:nvGrpSpPr>
+      <p:grpSpPr>
+        <a:xfrm>
+          <a:off x="0" y="0"/>
+          <a:ext cx="0" cy="0"/>
+          <a:chOff x="0" y="0"/>
+          <a:chExt cx="0" cy="0"/>
+        </a:xfrm>
+      </p:grpSpPr>
+      <p:sp>
+        <p:nvSpPr>
+          <p:cNvPr id="6" name="Rectangle 5">
+            <a:extLst>
+              <a:ext uri="{FF2B5EF4-FFF2-40B4-BE49-F238E27FC236}">
+                <a16:creationId xmlns:a16="http://schemas.microsoft.com/office/drawing/2014/main" id="{E61C1DEC-D7BA-15B2-57B1-44F51E76692E}"/>
+              </a:ext>
+            </a:extLst>
+          </p:cNvPr>
+          <p:cNvSpPr/>
+          <p:nvPr/>
+        </p:nvSpPr>
+        <p:spPr>
+          <a:xfrm>
+            <a:off x="360217" y="696272"/>
+            <a:ext cx="10293605" cy="593352"/>
+          </a:xfrm>
+          <a:prstGeom prst="rect">
+            <a:avLst/>
+          </a:prstGeom>
+          <a:noFill/>
+          <a:ln>
+            <a:noFill/>
+          </a:ln>
+        </p:spPr>
+        <p:style>
+          <a:lnRef idx="2">
+            <a:schemeClr val="accent1">
+              <a:shade val="15000"/>
+            </a:schemeClr>
+          </a:lnRef>
+          <a:fillRef idx="1">
+            <a:schemeClr val="accent1"/>
+          </a:fillRef>
+          <a:effectRef idx="0">
+            <a:schemeClr val="accent1"/>
+          </a:effectRef>
+          <a:fontRef idx="minor">
+            <a:schemeClr val="lt1"/>
+          </a:fontRef>
+        </p:style>
+        <p:txBody>
+          <a:bodyPr rtlCol="0" anchor="ctr"/>
+          <a:lstStyle/>
+          <a:p>
+            <a:r>
+              <a:rPr lang="en-US" sz="4000" b="1" dirty="0">
+                <a:solidFill>
+                  <a:schemeClr val="tx1"/>
+                </a:solidFill>
+                <a:effectLst/>
+                <a:latin typeface="Microsoft New Tai Lue" panose="020B0502040204020203" pitchFamily="34" charset="0"/>
+                <a:cs typeface="Microsoft New Tai Lue" panose="020B0502040204020203" pitchFamily="34" charset="0"/>
+              </a:rPr>
+              <a:t>QISKIT FINANCE</a:t>
+            </a:r>
+          </a:p>
+        </p:txBody>
+      </p:sp>
+      <p:pic>
+        <p:nvPicPr>
+          <p:cNvPr id="7" name="Picture 6" descr="A white paper with black text&#10;&#10;Description automatically generated">
+            <a:extLst>
+              <a:ext uri="{FF2B5EF4-FFF2-40B4-BE49-F238E27FC236}">
+                <a16:creationId xmlns:a16="http://schemas.microsoft.com/office/drawing/2014/main" id="{ECCD9147-8E52-602D-DE5F-B296A42A2ACF}"/>
+              </a:ext>
+            </a:extLst>
+          </p:cNvPr>
+          <p:cNvPicPr>
+            <a:picLocks noChangeAspect="1"/>
+          </p:cNvPicPr>
+          <p:nvPr/>
+        </p:nvPicPr>
+        <p:blipFill>
+          <a:blip r:embed="rId2"/>
+          <a:stretch>
+            <a:fillRect/>
+          </a:stretch>
+        </p:blipFill>
+        <p:spPr>
+          <a:xfrm>
+            <a:off x="498104" y="1701800"/>
+            <a:ext cx="4165600" cy="1727200"/>
+          </a:xfrm>
+          <a:prstGeom prst="rect">
+            <a:avLst/>
+          </a:prstGeom>
+        </p:spPr>
+      </p:pic>
+      <p:sp>
+        <p:nvSpPr>
+          <p:cNvPr id="8" name="TextBox 7">
+            <a:extLst>
+              <a:ext uri="{FF2B5EF4-FFF2-40B4-BE49-F238E27FC236}">
+                <a16:creationId xmlns:a16="http://schemas.microsoft.com/office/drawing/2014/main" id="{867B1911-D8F1-D9D9-7C5E-4740F58D232D}"/>
+              </a:ext>
+            </a:extLst>
+          </p:cNvPr>
+          <p:cNvSpPr txBox="1"/>
+          <p:nvPr/>
+        </p:nvSpPr>
+        <p:spPr>
+          <a:xfrm>
+            <a:off x="1478869" y="4673539"/>
+            <a:ext cx="3360718" cy="369332"/>
+          </a:xfrm>
+          <a:prstGeom prst="rect">
+            <a:avLst/>
+          </a:prstGeom>
+          <a:noFill/>
+        </p:spPr>
+        <p:txBody>
+          <a:bodyPr wrap="square" rtlCol="0">
+            <a:spAutoFit/>
+          </a:bodyPr>
+          <a:lstStyle/>
+          <a:p>
+            <a:r>
+              <a:rPr lang="en-US" sz="1800" dirty="0">
+                <a:effectLst/>
+                <a:latin typeface="Microsoft New Tai Lue" panose="020B0502040204020203" pitchFamily="34" charset="0"/>
+                <a:cs typeface="Microsoft New Tai Lue" panose="020B0502040204020203" pitchFamily="34" charset="0"/>
+              </a:rPr>
+              <a:t>classical NumPy-based solver </a:t>
+            </a:r>
+            <a:endParaRPr lang="en-US" dirty="0">
+              <a:latin typeface="Microsoft New Tai Lue" panose="020B0502040204020203" pitchFamily="34" charset="0"/>
+              <a:cs typeface="Microsoft New Tai Lue" panose="020B0502040204020203" pitchFamily="34" charset="0"/>
+            </a:endParaRPr>
+          </a:p>
+        </p:txBody>
+      </p:sp>
+      <p:pic>
+        <p:nvPicPr>
+          <p:cNvPr id="11" name="Picture 10" descr="A red line with black numbers&#10;&#10;Description automatically generated">
+            <a:extLst>
+              <a:ext uri="{FF2B5EF4-FFF2-40B4-BE49-F238E27FC236}">
+                <a16:creationId xmlns:a16="http://schemas.microsoft.com/office/drawing/2014/main" id="{96C9F6AB-CEEC-47F9-5C9D-F6A6CC99DCF8}"/>
+              </a:ext>
+            </a:extLst>
+          </p:cNvPr>
+          <p:cNvPicPr>
+            <a:picLocks noChangeAspect="1"/>
+          </p:cNvPicPr>
+          <p:nvPr/>
+        </p:nvPicPr>
+        <p:blipFill>
+          <a:blip r:embed="rId3"/>
+          <a:stretch>
+            <a:fillRect/>
+          </a:stretch>
+        </p:blipFill>
+        <p:spPr>
+          <a:xfrm>
+            <a:off x="4876636" y="2266948"/>
+            <a:ext cx="3175000" cy="622300"/>
+          </a:xfrm>
+          <a:prstGeom prst="rect">
+            <a:avLst/>
+          </a:prstGeom>
+        </p:spPr>
+      </p:pic>
+      <p:pic>
+        <p:nvPicPr>
+          <p:cNvPr id="13" name="Picture 12" descr="A screenshot of a computer&#10;&#10;Description automatically generated">
+            <a:extLst>
+              <a:ext uri="{FF2B5EF4-FFF2-40B4-BE49-F238E27FC236}">
+                <a16:creationId xmlns:a16="http://schemas.microsoft.com/office/drawing/2014/main" id="{22FF9769-F372-1120-3FD6-9D11A639FCBD}"/>
+              </a:ext>
+            </a:extLst>
+          </p:cNvPr>
+          <p:cNvPicPr>
+            <a:picLocks noChangeAspect="1"/>
+          </p:cNvPicPr>
+          <p:nvPr/>
+        </p:nvPicPr>
+        <p:blipFill>
+          <a:blip r:embed="rId4"/>
+          <a:stretch>
+            <a:fillRect/>
+          </a:stretch>
+        </p:blipFill>
+        <p:spPr>
+          <a:xfrm>
+            <a:off x="5015470" y="3023484"/>
+            <a:ext cx="4481063" cy="3669442"/>
+          </a:xfrm>
+          <a:prstGeom prst="rect">
+            <a:avLst/>
+          </a:prstGeom>
+        </p:spPr>
+      </p:pic>
+      <p:sp>
+        <p:nvSpPr>
+          <p:cNvPr id="14" name="Left Brace 13">
+            <a:extLst>
+              <a:ext uri="{FF2B5EF4-FFF2-40B4-BE49-F238E27FC236}">
+                <a16:creationId xmlns:a16="http://schemas.microsoft.com/office/drawing/2014/main" id="{7C414E88-67A5-CD67-DB07-1C04F9FE2285}"/>
+              </a:ext>
+            </a:extLst>
+          </p:cNvPr>
+          <p:cNvSpPr/>
+          <p:nvPr/>
+        </p:nvSpPr>
+        <p:spPr>
+          <a:xfrm>
+            <a:off x="4663704" y="4488873"/>
+            <a:ext cx="574340" cy="658860"/>
+          </a:xfrm>
+          <a:prstGeom prst="leftBrace">
+            <a:avLst/>
+          </a:prstGeom>
+          <a:ln w="19050"/>
+        </p:spPr>
+        <p:style>
+          <a:lnRef idx="1">
+            <a:schemeClr val="accent1"/>
+          </a:lnRef>
+          <a:fillRef idx="0">
+            <a:schemeClr val="accent1"/>
+          </a:fillRef>
+          <a:effectRef idx="0">
+            <a:schemeClr val="accent1"/>
+          </a:effectRef>
+          <a:fontRef idx="minor">
+            <a:schemeClr val="tx1"/>
+          </a:fontRef>
+        </p:style>
+        <p:txBody>
+          <a:bodyPr rtlCol="0" anchor="ctr"/>
+          <a:lstStyle/>
+          <a:p>
+            <a:pPr algn="ctr"/>
+            <a:endParaRPr lang="en-VN"/>
+          </a:p>
+        </p:txBody>
+      </p:sp>
+    </p:spTree>
+    <p:extLst>
+      <p:ext uri="{BB962C8B-B14F-4D97-AF65-F5344CB8AC3E}">
+        <p14:creationId xmlns:p14="http://schemas.microsoft.com/office/powerpoint/2010/main" val="2397046731"/>
+      </p:ext>
+    </p:extLst>
+  </p:cSld>
+  <p:clrMapOvr>
+    <a:masterClrMapping/>
+  </p:clrMapOvr>
+</p:sld>
+</file>
+
+<file path=ppt/slides/slide9.xml><?xml version="1.0" encoding="utf-8"?>
+<p:sld xmlns:a="http://schemas.openxmlformats.org/drawingml/2006/main" xmlns:r="http://schemas.openxmlformats.org/officeDocument/2006/relationships" xmlns:p="http://schemas.openxmlformats.org/presentationml/2006/main">
+  <p:cSld>
+    <p:spTree>
+      <p:nvGrpSpPr>
+        <p:cNvPr id="1" name=""/>
+        <p:cNvGrpSpPr/>
+        <p:nvPr/>
+      </p:nvGrpSpPr>
+      <p:grpSpPr>
+        <a:xfrm>
+          <a:off x="0" y="0"/>
+          <a:ext cx="0" cy="0"/>
+          <a:chOff x="0" y="0"/>
+          <a:chExt cx="0" cy="0"/>
+        </a:xfrm>
+      </p:grpSpPr>
+      <p:sp>
+        <p:nvSpPr>
+          <p:cNvPr id="6" name="Rectangle 5">
+            <a:extLst>
+              <a:ext uri="{FF2B5EF4-FFF2-40B4-BE49-F238E27FC236}">
+                <a16:creationId xmlns:a16="http://schemas.microsoft.com/office/drawing/2014/main" id="{E61C1DEC-D7BA-15B2-57B1-44F51E76692E}"/>
+              </a:ext>
+            </a:extLst>
+          </p:cNvPr>
+          <p:cNvSpPr/>
+          <p:nvPr/>
+        </p:nvSpPr>
+        <p:spPr>
+          <a:xfrm>
+            <a:off x="360217" y="696272"/>
+            <a:ext cx="10293605" cy="811894"/>
+          </a:xfrm>
+          <a:prstGeom prst="rect">
+            <a:avLst/>
+          </a:prstGeom>
+          <a:noFill/>
+          <a:ln>
+            <a:noFill/>
+          </a:ln>
+        </p:spPr>
+        <p:style>
+          <a:lnRef idx="2">
+            <a:schemeClr val="accent1">
+              <a:shade val="15000"/>
+            </a:schemeClr>
+          </a:lnRef>
+          <a:fillRef idx="1">
+            <a:schemeClr val="accent1"/>
+          </a:fillRef>
+          <a:effectRef idx="0">
+            <a:schemeClr val="accent1"/>
+          </a:effectRef>
+          <a:fontRef idx="minor">
+            <a:schemeClr val="lt1"/>
+          </a:fontRef>
+        </p:style>
+        <p:txBody>
+          <a:bodyPr rtlCol="0" anchor="ctr"/>
+          <a:lstStyle/>
+          <a:p>
+            <a:r>
+              <a:rPr lang="en-US" sz="3200" b="1" dirty="0">
+                <a:solidFill>
+                  <a:schemeClr val="tx1"/>
+                </a:solidFill>
+                <a:effectLst/>
+                <a:latin typeface="Microsoft New Tai Lue" panose="020B0502040204020203" pitchFamily="34" charset="0"/>
+                <a:cs typeface="Microsoft New Tai Lue" panose="020B0502040204020203" pitchFamily="34" charset="0"/>
+              </a:rPr>
+              <a:t>Parameterized Quantum Circuit </a:t>
+            </a:r>
+            <a:r>
+              <a:rPr lang="en-US" sz="3200" dirty="0">
+                <a:solidFill>
+                  <a:schemeClr val="tx1"/>
+                </a:solidFill>
+                <a:effectLst/>
+                <a:latin typeface="Microsoft New Tai Lue" panose="020B0502040204020203" pitchFamily="34" charset="0"/>
+                <a:cs typeface="Microsoft New Tai Lue" panose="020B0502040204020203" pitchFamily="34" charset="0"/>
+              </a:rPr>
+              <a:t>(</a:t>
+            </a:r>
+            <a:r>
+              <a:rPr lang="en-US" sz="3200" b="1" dirty="0">
+                <a:solidFill>
+                  <a:schemeClr val="tx1"/>
+                </a:solidFill>
+                <a:effectLst/>
+                <a:latin typeface="Microsoft New Tai Lue" panose="020B0502040204020203" pitchFamily="34" charset="0"/>
+                <a:cs typeface="Microsoft New Tai Lue" panose="020B0502040204020203" pitchFamily="34" charset="0"/>
+              </a:rPr>
+              <a:t>PQC</a:t>
+            </a:r>
+            <a:r>
+              <a:rPr lang="en-US" sz="3200" dirty="0">
+                <a:solidFill>
+                  <a:schemeClr val="tx1"/>
+                </a:solidFill>
+                <a:effectLst/>
+                <a:latin typeface="Microsoft New Tai Lue" panose="020B0502040204020203" pitchFamily="34" charset="0"/>
+                <a:cs typeface="Microsoft New Tai Lue" panose="020B0502040204020203" pitchFamily="34" charset="0"/>
+              </a:rPr>
+              <a:t>) / ansatz</a:t>
+            </a:r>
+          </a:p>
+        </p:txBody>
+      </p:sp>
+      <p:sp>
+        <p:nvSpPr>
+          <p:cNvPr id="2" name="TextBox 1">
+            <a:extLst>
+              <a:ext uri="{FF2B5EF4-FFF2-40B4-BE49-F238E27FC236}">
+                <a16:creationId xmlns:a16="http://schemas.microsoft.com/office/drawing/2014/main" id="{2EB76A80-F976-2DDA-7A03-A4EED63ED6C5}"/>
+              </a:ext>
+            </a:extLst>
+          </p:cNvPr>
+          <p:cNvSpPr txBox="1"/>
+          <p:nvPr/>
+        </p:nvSpPr>
+        <p:spPr>
+          <a:xfrm>
+            <a:off x="819397" y="2196935"/>
+            <a:ext cx="7542449" cy="646331"/>
+          </a:xfrm>
+          <a:prstGeom prst="rect">
+            <a:avLst/>
+          </a:prstGeom>
+          <a:noFill/>
+        </p:spPr>
+        <p:txBody>
+          <a:bodyPr wrap="none" rtlCol="0">
+            <a:spAutoFit/>
+          </a:bodyPr>
+          <a:lstStyle/>
+          <a:p>
+            <a:r>
+              <a:rPr lang="en-US" sz="1800" dirty="0">
+                <a:effectLst/>
+                <a:latin typeface="Microsoft New Tai Lue" panose="020B0502040204020203" pitchFamily="34" charset="0"/>
+                <a:cs typeface="Microsoft New Tai Lue" panose="020B0502040204020203" pitchFamily="34" charset="0"/>
+              </a:rPr>
+              <a:t>Algorithm </a:t>
+            </a:r>
+            <a:r>
+              <a:rPr lang="en-US" dirty="0">
+                <a:latin typeface="Microsoft New Tai Lue" panose="020B0502040204020203" pitchFamily="34" charset="0"/>
+                <a:cs typeface="Microsoft New Tai Lue" panose="020B0502040204020203" pitchFamily="34" charset="0"/>
+              </a:rPr>
+              <a:t>: </a:t>
+            </a:r>
+            <a:r>
+              <a:rPr lang="en-US" sz="1800" b="1" dirty="0">
+                <a:effectLst/>
+                <a:latin typeface="Microsoft New Tai Lue" panose="020B0502040204020203" pitchFamily="34" charset="0"/>
+                <a:cs typeface="Microsoft New Tai Lue" panose="020B0502040204020203" pitchFamily="34" charset="0"/>
+              </a:rPr>
+              <a:t>Quantum Approximate Optimization Algorithm </a:t>
+            </a:r>
+            <a:r>
+              <a:rPr lang="en-US" sz="1800" dirty="0">
+                <a:effectLst/>
+                <a:latin typeface="Microsoft New Tai Lue" panose="020B0502040204020203" pitchFamily="34" charset="0"/>
+                <a:cs typeface="Microsoft New Tai Lue" panose="020B0502040204020203" pitchFamily="34" charset="0"/>
+              </a:rPr>
+              <a:t>(</a:t>
+            </a:r>
+            <a:r>
+              <a:rPr lang="en-US" sz="1800" b="1" dirty="0">
+                <a:effectLst/>
+                <a:latin typeface="Microsoft New Tai Lue" panose="020B0502040204020203" pitchFamily="34" charset="0"/>
+                <a:cs typeface="Microsoft New Tai Lue" panose="020B0502040204020203" pitchFamily="34" charset="0"/>
+              </a:rPr>
+              <a:t>QAOA</a:t>
+            </a:r>
+            <a:r>
+              <a:rPr lang="en-US" sz="1800" dirty="0">
+                <a:effectLst/>
+                <a:latin typeface="Microsoft New Tai Lue" panose="020B0502040204020203" pitchFamily="34" charset="0"/>
+                <a:cs typeface="Microsoft New Tai Lue" panose="020B0502040204020203" pitchFamily="34" charset="0"/>
+              </a:rPr>
+              <a:t>) </a:t>
+            </a:r>
+            <a:r>
+              <a:rPr lang="en-US" dirty="0">
+                <a:latin typeface="Microsoft New Tai Lue" panose="020B0502040204020203" pitchFamily="34" charset="0"/>
+                <a:cs typeface="Microsoft New Tai Lue" panose="020B0502040204020203" pitchFamily="34" charset="0"/>
+              </a:rPr>
+              <a:t> </a:t>
+            </a:r>
+            <a:endParaRPr lang="en-US" dirty="0">
+              <a:latin typeface="Microsoft New Tai Lue" panose="020B0502040204020203" pitchFamily="34" charset="0"/>
+              <a:cs typeface="Microsoft New Tai Lue" panose="020B0502040204020203" pitchFamily="34" charset="0"/>
+              <a:sym typeface="Wingdings" pitchFamily="2" charset="2"/>
+            </a:endParaRPr>
+          </a:p>
+          <a:p>
+            <a:r>
+              <a:rPr lang="en-US" sz="1800" dirty="0">
+                <a:effectLst/>
+                <a:latin typeface="Microsoft New Tai Lue" panose="020B0502040204020203" pitchFamily="34" charset="0"/>
+                <a:cs typeface="Microsoft New Tai Lue" panose="020B0502040204020203" pitchFamily="34" charset="0"/>
+              </a:rPr>
+              <a:t>Optimizer:</a:t>
+            </a:r>
+            <a:r>
+              <a:rPr lang="en-US" dirty="0">
+                <a:latin typeface="Microsoft New Tai Lue" panose="020B0502040204020203" pitchFamily="34" charset="0"/>
+                <a:cs typeface="Microsoft New Tai Lue" panose="020B0502040204020203" pitchFamily="34" charset="0"/>
+                <a:sym typeface="Wingdings" pitchFamily="2" charset="2"/>
+              </a:rPr>
+              <a:t> </a:t>
+            </a:r>
+            <a:r>
+              <a:rPr lang="en-US" sz="1800" dirty="0">
+                <a:effectLst/>
+                <a:latin typeface="Microsoft New Tai Lue" panose="020B0502040204020203" pitchFamily="34" charset="0"/>
+                <a:cs typeface="Microsoft New Tai Lue" panose="020B0502040204020203" pitchFamily="34" charset="0"/>
+              </a:rPr>
+              <a:t>COBYLA</a:t>
+            </a:r>
+            <a:endParaRPr lang="en-US" dirty="0">
+              <a:effectLst/>
+              <a:latin typeface="Microsoft New Tai Lue" panose="020B0502040204020203" pitchFamily="34" charset="0"/>
+              <a:cs typeface="Microsoft New Tai Lue" panose="020B0502040204020203" pitchFamily="34" charset="0"/>
+            </a:endParaRPr>
+          </a:p>
+        </p:txBody>
+      </p:sp>
+      <p:pic>
+        <p:nvPicPr>
+          <p:cNvPr id="4" name="Picture 3" descr="A close-up of a number&#10;&#10;Description automatically generated">
+            <a:extLst>
+              <a:ext uri="{FF2B5EF4-FFF2-40B4-BE49-F238E27FC236}">
+                <a16:creationId xmlns:a16="http://schemas.microsoft.com/office/drawing/2014/main" id="{DD73C92E-8DBB-7E36-EA1D-50E252C547A9}"/>
+              </a:ext>
+            </a:extLst>
+          </p:cNvPr>
+          <p:cNvPicPr>
+            <a:picLocks noChangeAspect="1"/>
+          </p:cNvPicPr>
+          <p:nvPr/>
+        </p:nvPicPr>
+        <p:blipFill>
+          <a:blip r:embed="rId2"/>
+          <a:stretch>
+            <a:fillRect/>
+          </a:stretch>
+        </p:blipFill>
+        <p:spPr>
+          <a:xfrm>
+            <a:off x="8184903" y="1872095"/>
+            <a:ext cx="3187700" cy="952500"/>
+          </a:xfrm>
+          <a:prstGeom prst="rect">
+            <a:avLst/>
+          </a:prstGeom>
+        </p:spPr>
+      </p:pic>
+      <p:sp>
+        <p:nvSpPr>
+          <p:cNvPr id="5" name="TextBox 4">
+            <a:extLst>
+              <a:ext uri="{FF2B5EF4-FFF2-40B4-BE49-F238E27FC236}">
+                <a16:creationId xmlns:a16="http://schemas.microsoft.com/office/drawing/2014/main" id="{66925D20-E35A-090F-6AA8-C9478B8DFBC3}"/>
+              </a:ext>
+            </a:extLst>
+          </p:cNvPr>
+          <p:cNvSpPr txBox="1"/>
+          <p:nvPr/>
+        </p:nvSpPr>
+        <p:spPr>
+          <a:xfrm>
+            <a:off x="9584298" y="4033406"/>
+            <a:ext cx="1069524" cy="369332"/>
+          </a:xfrm>
+          <a:prstGeom prst="rect">
+            <a:avLst/>
+          </a:prstGeom>
+          <a:noFill/>
+        </p:spPr>
+        <p:txBody>
+          <a:bodyPr wrap="none" rtlCol="0">
+            <a:spAutoFit/>
+          </a:bodyPr>
+          <a:lstStyle/>
+          <a:p>
+            <a:r>
+              <a:rPr lang="en-US" sz="1800" dirty="0">
+                <a:effectLst/>
+                <a:latin typeface="Microsoft New Tai Lue" panose="020B0502040204020203" pitchFamily="34" charset="0"/>
+                <a:cs typeface="Microsoft New Tai Lue" panose="020B0502040204020203" pitchFamily="34" charset="0"/>
+              </a:rPr>
+              <a:t>Layer =5</a:t>
+            </a:r>
+            <a:endParaRPr lang="en-VN" dirty="0">
+              <a:latin typeface="Microsoft New Tai Lue" panose="020B0502040204020203" pitchFamily="34" charset="0"/>
+              <a:cs typeface="Microsoft New Tai Lue" panose="020B0502040204020203" pitchFamily="34" charset="0"/>
+            </a:endParaRPr>
+          </a:p>
+        </p:txBody>
+      </p:sp>
+      <p:pic>
+        <p:nvPicPr>
+          <p:cNvPr id="8" name="Picture 7">
+            <a:extLst>
+              <a:ext uri="{FF2B5EF4-FFF2-40B4-BE49-F238E27FC236}">
+                <a16:creationId xmlns:a16="http://schemas.microsoft.com/office/drawing/2014/main" id="{8D831BBC-7075-08DA-018A-83B99AB17E23}"/>
+              </a:ext>
+            </a:extLst>
+          </p:cNvPr>
+          <p:cNvPicPr>
+            <a:picLocks noChangeAspect="1"/>
+          </p:cNvPicPr>
+          <p:nvPr/>
+        </p:nvPicPr>
+        <p:blipFill>
+          <a:blip r:embed="rId3"/>
+          <a:stretch>
+            <a:fillRect/>
+          </a:stretch>
+        </p:blipFill>
+        <p:spPr>
+          <a:xfrm>
+            <a:off x="4069246" y="1542176"/>
+            <a:ext cx="4292600" cy="368300"/>
+          </a:xfrm>
+          <a:prstGeom prst="rect">
+            <a:avLst/>
+          </a:prstGeom>
+        </p:spPr>
+      </p:pic>
+      <p:sp>
+        <p:nvSpPr>
+          <p:cNvPr id="9" name="TextBox 8">
+            <a:extLst>
+              <a:ext uri="{FF2B5EF4-FFF2-40B4-BE49-F238E27FC236}">
+                <a16:creationId xmlns:a16="http://schemas.microsoft.com/office/drawing/2014/main" id="{8AD31E47-6EBD-8C27-BC5D-91C8666FB0E2}"/>
+              </a:ext>
+            </a:extLst>
+          </p:cNvPr>
+          <p:cNvSpPr txBox="1"/>
+          <p:nvPr/>
+        </p:nvSpPr>
+        <p:spPr>
+          <a:xfrm>
+            <a:off x="9584298" y="3027932"/>
+            <a:ext cx="1069524" cy="369332"/>
+          </a:xfrm>
+          <a:prstGeom prst="rect">
+            <a:avLst/>
+          </a:prstGeom>
+          <a:noFill/>
+        </p:spPr>
+        <p:txBody>
+          <a:bodyPr wrap="none" rtlCol="0">
+            <a:spAutoFit/>
+          </a:bodyPr>
+          <a:lstStyle/>
+          <a:p>
+            <a:r>
+              <a:rPr lang="en-US" sz="1800" dirty="0">
+                <a:effectLst/>
+                <a:latin typeface="Microsoft New Tai Lue" panose="020B0502040204020203" pitchFamily="34" charset="0"/>
+                <a:cs typeface="Microsoft New Tai Lue" panose="020B0502040204020203" pitchFamily="34" charset="0"/>
+              </a:rPr>
+              <a:t>Layer =2</a:t>
+            </a:r>
+            <a:endParaRPr lang="en-VN" dirty="0">
+              <a:latin typeface="Microsoft New Tai Lue" panose="020B0502040204020203" pitchFamily="34" charset="0"/>
+              <a:cs typeface="Microsoft New Tai Lue" panose="020B0502040204020203" pitchFamily="34" charset="0"/>
+            </a:endParaRPr>
+          </a:p>
+        </p:txBody>
+      </p:sp>
+      <p:cxnSp>
+        <p:nvCxnSpPr>
+          <p:cNvPr id="11" name="Straight Arrow Connector 10">
+            <a:extLst>
+              <a:ext uri="{FF2B5EF4-FFF2-40B4-BE49-F238E27FC236}">
+                <a16:creationId xmlns:a16="http://schemas.microsoft.com/office/drawing/2014/main" id="{F40D2F53-02AB-8EED-9B15-CFFB704BE620}"/>
+              </a:ext>
+            </a:extLst>
+          </p:cNvPr>
+          <p:cNvCxnSpPr>
+            <a:stCxn id="9" idx="2"/>
+            <a:endCxn id="5" idx="0"/>
+          </p:cNvCxnSpPr>
+          <p:nvPr/>
+        </p:nvCxnSpPr>
+        <p:spPr>
+          <a:xfrm>
+            <a:off x="10119060" y="3397264"/>
+            <a:ext cx="0" cy="636142"/>
+          </a:xfrm>
+          <a:prstGeom prst="straightConnector1">
+            <a:avLst/>
+          </a:prstGeom>
+          <a:ln>
+            <a:tailEnd type="triangle"/>
+          </a:ln>
+        </p:spPr>
+        <p:style>
+          <a:lnRef idx="1">
+            <a:schemeClr val="dk1"/>
+          </a:lnRef>
+          <a:fillRef idx="0">
+            <a:schemeClr val="dk1"/>
+          </a:fillRef>
+          <a:effectRef idx="0">
+            <a:schemeClr val="dk1"/>
+          </a:effectRef>
+          <a:fontRef idx="minor">
+            <a:schemeClr val="tx1"/>
+          </a:fontRef>
+        </p:style>
+      </p:cxnSp>
+      <p:pic>
+        <p:nvPicPr>
+          <p:cNvPr id="14" name="Picture 13">
+            <a:extLst>
+              <a:ext uri="{FF2B5EF4-FFF2-40B4-BE49-F238E27FC236}">
+                <a16:creationId xmlns:a16="http://schemas.microsoft.com/office/drawing/2014/main" id="{C6E92A7B-3941-F094-FA4F-3E663E75E0D4}"/>
+              </a:ext>
+            </a:extLst>
+          </p:cNvPr>
+          <p:cNvPicPr>
+            <a:picLocks noChangeAspect="1"/>
+          </p:cNvPicPr>
+          <p:nvPr/>
+        </p:nvPicPr>
+        <p:blipFill rotWithShape="1">
+          <a:blip r:embed="rId4"/>
+          <a:srcRect t="17266"/>
+          <a:stretch/>
+        </p:blipFill>
+        <p:spPr>
+          <a:xfrm>
+            <a:off x="4132746" y="4614728"/>
+            <a:ext cx="4229100" cy="304707"/>
+          </a:xfrm>
+          <a:prstGeom prst="rect">
+            <a:avLst/>
+          </a:prstGeom>
+        </p:spPr>
+      </p:pic>
+      <p:pic>
+        <p:nvPicPr>
+          <p:cNvPr id="16" name="Picture 15" descr="A close-up of a paper&#10;&#10;Description automatically generated">
+            <a:extLst>
+              <a:ext uri="{FF2B5EF4-FFF2-40B4-BE49-F238E27FC236}">
+                <a16:creationId xmlns:a16="http://schemas.microsoft.com/office/drawing/2014/main" id="{AF72AC0A-46AB-B245-E9B0-7CC0901D3D4E}"/>
+              </a:ext>
+            </a:extLst>
+          </p:cNvPr>
+          <p:cNvPicPr>
+            <a:picLocks noChangeAspect="1"/>
+          </p:cNvPicPr>
+          <p:nvPr/>
+        </p:nvPicPr>
+        <p:blipFill>
+          <a:blip r:embed="rId5"/>
+          <a:stretch>
+            <a:fillRect/>
+          </a:stretch>
+        </p:blipFill>
+        <p:spPr>
+          <a:xfrm>
+            <a:off x="8361846" y="4370691"/>
+            <a:ext cx="3302000" cy="1016000"/>
+          </a:xfrm>
+          <a:prstGeom prst="rect">
+            <a:avLst/>
+          </a:prstGeom>
+        </p:spPr>
+      </p:pic>
+      <p:sp>
+        <p:nvSpPr>
+          <p:cNvPr id="17" name="TextBox 16">
+            <a:extLst>
+              <a:ext uri="{FF2B5EF4-FFF2-40B4-BE49-F238E27FC236}">
+                <a16:creationId xmlns:a16="http://schemas.microsoft.com/office/drawing/2014/main" id="{0B38B3AF-F84B-E10E-039C-57DF94A757D5}"/>
+              </a:ext>
+            </a:extLst>
+          </p:cNvPr>
+          <p:cNvSpPr txBox="1"/>
+          <p:nvPr/>
+        </p:nvSpPr>
+        <p:spPr>
+          <a:xfrm>
+            <a:off x="1000898" y="5386691"/>
+            <a:ext cx="6462583" cy="646331"/>
+          </a:xfrm>
+          <a:prstGeom prst="rect">
+            <a:avLst/>
+          </a:prstGeom>
+          <a:noFill/>
+          <a:ln>
+            <a:solidFill>
+              <a:schemeClr val="accent1"/>
+            </a:solidFill>
+          </a:ln>
+        </p:spPr>
+        <p:txBody>
+          <a:bodyPr wrap="square" rtlCol="0">
+            <a:spAutoFit/>
+          </a:bodyPr>
+          <a:lstStyle/>
+          <a:p>
+            <a:r>
+              <a:rPr lang="en-US" sz="1800" dirty="0">
+                <a:effectLst/>
+                <a:latin typeface="MinionPro"/>
+              </a:rPr>
+              <a:t>we can try varying the optimization method of the approach in general, looking for a </a:t>
+            </a:r>
+            <a:r>
+              <a:rPr lang="en-US" sz="1800" b="1" dirty="0">
+                <a:effectLst/>
+                <a:latin typeface="MinionPro"/>
+              </a:rPr>
+              <a:t>different ansatz composition</a:t>
+            </a:r>
+            <a:r>
+              <a:rPr lang="en-US" b="1" dirty="0">
+                <a:latin typeface="MinionPro"/>
+              </a:rPr>
+              <a:t> !</a:t>
+            </a:r>
+            <a:r>
+              <a:rPr lang="en-US" sz="1800" dirty="0">
+                <a:effectLst/>
+                <a:latin typeface="MinionPro"/>
+              </a:rPr>
+              <a:t> </a:t>
+            </a:r>
+            <a:endParaRPr lang="en-US" dirty="0"/>
+          </a:p>
+        </p:txBody>
+      </p:sp>
+    </p:spTree>
+    <p:extLst>
+      <p:ext uri="{BB962C8B-B14F-4D97-AF65-F5344CB8AC3E}">
+        <p14:creationId xmlns:p14="http://schemas.microsoft.com/office/powerpoint/2010/main" val="220317423"/>
       </p:ext>
     </p:extLst>
   </p:cSld>
